--- a/IntroPPT.pptx
+++ b/IntroPPT.pptx
@@ -5,10 +5,10 @@
     <p:sldMasterId id="2147483648" r:id="rId1"/>
   </p:sldMasterIdLst>
   <p:sldIdLst>
-    <p:sldId id="261" r:id="rId2"/>
-    <p:sldId id="262" r:id="rId3"/>
-    <p:sldId id="259" r:id="rId4"/>
-    <p:sldId id="260" r:id="rId5"/>
+    <p:sldId id="262" r:id="rId2"/>
+    <p:sldId id="264" r:id="rId3"/>
+    <p:sldId id="263" r:id="rId4"/>
+    <p:sldId id="259" r:id="rId5"/>
   </p:sldIdLst>
   <p:sldSz cx="9144000" cy="6858000" type="screen4x3"/>
   <p:notesSz cx="6858000" cy="9144000"/>
@@ -291,7 +291,7 @@
           <a:p>
             <a:fld id="{A9E88F00-A96D-4A87-81A0-5617EFE1816F}" type="datetimeFigureOut">
               <a:rPr lang="en-US" smtClean="0"/>
-              <a:t>3/7/2015</a:t>
+              <a:t>3/8/2015</a:t>
             </a:fld>
             <a:endParaRPr lang="en-US"/>
           </a:p>
@@ -461,7 +461,7 @@
           <a:p>
             <a:fld id="{A9E88F00-A96D-4A87-81A0-5617EFE1816F}" type="datetimeFigureOut">
               <a:rPr lang="en-US" smtClean="0"/>
-              <a:t>3/7/2015</a:t>
+              <a:t>3/8/2015</a:t>
             </a:fld>
             <a:endParaRPr lang="en-US"/>
           </a:p>
@@ -641,7 +641,7 @@
           <a:p>
             <a:fld id="{A9E88F00-A96D-4A87-81A0-5617EFE1816F}" type="datetimeFigureOut">
               <a:rPr lang="en-US" smtClean="0"/>
-              <a:t>3/7/2015</a:t>
+              <a:t>3/8/2015</a:t>
             </a:fld>
             <a:endParaRPr lang="en-US"/>
           </a:p>
@@ -811,7 +811,7 @@
           <a:p>
             <a:fld id="{A9E88F00-A96D-4A87-81A0-5617EFE1816F}" type="datetimeFigureOut">
               <a:rPr lang="en-US" smtClean="0"/>
-              <a:t>3/7/2015</a:t>
+              <a:t>3/8/2015</a:t>
             </a:fld>
             <a:endParaRPr lang="en-US"/>
           </a:p>
@@ -1057,7 +1057,7 @@
           <a:p>
             <a:fld id="{A9E88F00-A96D-4A87-81A0-5617EFE1816F}" type="datetimeFigureOut">
               <a:rPr lang="en-US" smtClean="0"/>
-              <a:t>3/7/2015</a:t>
+              <a:t>3/8/2015</a:t>
             </a:fld>
             <a:endParaRPr lang="en-US"/>
           </a:p>
@@ -1345,7 +1345,7 @@
           <a:p>
             <a:fld id="{A9E88F00-A96D-4A87-81A0-5617EFE1816F}" type="datetimeFigureOut">
               <a:rPr lang="en-US" smtClean="0"/>
-              <a:t>3/7/2015</a:t>
+              <a:t>3/8/2015</a:t>
             </a:fld>
             <a:endParaRPr lang="en-US"/>
           </a:p>
@@ -1767,7 +1767,7 @@
           <a:p>
             <a:fld id="{A9E88F00-A96D-4A87-81A0-5617EFE1816F}" type="datetimeFigureOut">
               <a:rPr lang="en-US" smtClean="0"/>
-              <a:t>3/7/2015</a:t>
+              <a:t>3/8/2015</a:t>
             </a:fld>
             <a:endParaRPr lang="en-US"/>
           </a:p>
@@ -1885,7 +1885,7 @@
           <a:p>
             <a:fld id="{A9E88F00-A96D-4A87-81A0-5617EFE1816F}" type="datetimeFigureOut">
               <a:rPr lang="en-US" smtClean="0"/>
-              <a:t>3/7/2015</a:t>
+              <a:t>3/8/2015</a:t>
             </a:fld>
             <a:endParaRPr lang="en-US"/>
           </a:p>
@@ -1980,7 +1980,7 @@
           <a:p>
             <a:fld id="{A9E88F00-A96D-4A87-81A0-5617EFE1816F}" type="datetimeFigureOut">
               <a:rPr lang="en-US" smtClean="0"/>
-              <a:t>3/7/2015</a:t>
+              <a:t>3/8/2015</a:t>
             </a:fld>
             <a:endParaRPr lang="en-US"/>
           </a:p>
@@ -2257,7 +2257,7 @@
           <a:p>
             <a:fld id="{A9E88F00-A96D-4A87-81A0-5617EFE1816F}" type="datetimeFigureOut">
               <a:rPr lang="en-US" smtClean="0"/>
-              <a:t>3/7/2015</a:t>
+              <a:t>3/8/2015</a:t>
             </a:fld>
             <a:endParaRPr lang="en-US"/>
           </a:p>
@@ -2510,7 +2510,7 @@
           <a:p>
             <a:fld id="{A9E88F00-A96D-4A87-81A0-5617EFE1816F}" type="datetimeFigureOut">
               <a:rPr lang="en-US" smtClean="0"/>
-              <a:t>3/7/2015</a:t>
+              <a:t>3/8/2015</a:t>
             </a:fld>
             <a:endParaRPr lang="en-US"/>
           </a:p>
@@ -2723,7 +2723,7 @@
           <a:p>
             <a:fld id="{A9E88F00-A96D-4A87-81A0-5617EFE1816F}" type="datetimeFigureOut">
               <a:rPr lang="en-US" smtClean="0"/>
-              <a:t>3/7/2015</a:t>
+              <a:t>3/8/2015</a:t>
             </a:fld>
             <a:endParaRPr lang="en-US"/>
           </a:p>
@@ -3110,7 +3110,7 @@
         </p:nvSpPr>
         <p:spPr>
           <a:xfrm>
-            <a:off x="745524" y="2362200"/>
+            <a:off x="745524" y="2057400"/>
             <a:ext cx="7772400" cy="1470025"/>
           </a:xfrm>
         </p:spPr>
@@ -3135,13 +3135,20 @@
     </p:spTree>
     <p:extLst>
       <p:ext uri="{BB962C8B-B14F-4D97-AF65-F5344CB8AC3E}">
-        <p14:creationId xmlns:p14="http://schemas.microsoft.com/office/powerpoint/2010/main" val="1012147259"/>
+        <p14:creationId xmlns:p14="http://schemas.microsoft.com/office/powerpoint/2010/main" val="1977960192"/>
       </p:ext>
     </p:extLst>
   </p:cSld>
   <p:clrMapOvr>
     <a:masterClrMapping/>
   </p:clrMapOvr>
+  <p:timing>
+    <p:tnLst>
+      <p:par>
+        <p:cTn id="1" dur="indefinite" restart="never" nodeType="tmRoot"/>
+      </p:par>
+    </p:tnLst>
+  </p:timing>
 </p:sld>
 </file>
 
@@ -3174,7 +3181,7 @@
         </p:nvSpPr>
         <p:spPr>
           <a:xfrm>
-            <a:off x="745524" y="2362200"/>
+            <a:off x="745524" y="2057400"/>
             <a:ext cx="7772400" cy="1470025"/>
           </a:xfrm>
         </p:spPr>
@@ -3206,7 +3213,7 @@
         </p:nvSpPr>
         <p:spPr>
           <a:xfrm>
-            <a:off x="669324" y="2895600"/>
+            <a:off x="669324" y="2765425"/>
             <a:ext cx="7924800" cy="2819400"/>
           </a:xfrm>
           <a:prstGeom prst="rect">
@@ -3238,13 +3245,16 @@
               <a:rPr lang="en-US" sz="2000" dirty="0" smtClean="0">
                 <a:latin typeface="Centaur" panose="02030504050205020304" pitchFamily="18" charset="0"/>
               </a:rPr>
-              <a:t>Expected crimes against women in the world </a:t>
-            </a:r>
-            <a:br>
+              <a:t>Expected number of sexual crimes against women </a:t>
+            </a:r>
+          </a:p>
+          <a:p>
+            <a:r>
               <a:rPr lang="en-US" sz="2000" dirty="0" smtClean="0">
                 <a:latin typeface="Centaur" panose="02030504050205020304" pitchFamily="18" charset="0"/>
               </a:rPr>
-            </a:br>
+              <a:t>that will be </a:t>
+            </a:r>
             <a:r>
               <a:rPr lang="en-US" sz="2000" dirty="0" smtClean="0">
                 <a:solidFill>
@@ -3252,13 +3262,32 @@
                 </a:solidFill>
                 <a:latin typeface="Centaur" panose="02030504050205020304" pitchFamily="18" charset="0"/>
               </a:rPr>
-              <a:t>per day</a:t>
+              <a:t>reported</a:t>
             </a:r>
             <a:r>
               <a:rPr lang="en-US" sz="2000" dirty="0" smtClean="0">
                 <a:latin typeface="Centaur" panose="02030504050205020304" pitchFamily="18" charset="0"/>
               </a:rPr>
-              <a:t/>
+              <a:t> globally</a:t>
+            </a:r>
+          </a:p>
+          <a:p>
+            <a:r>
+              <a:rPr lang="en-US" sz="2000" dirty="0" smtClean="0">
+                <a:solidFill>
+                  <a:srgbClr val="FF0000"/>
+                </a:solidFill>
+                <a:latin typeface="Centaur" panose="02030504050205020304" pitchFamily="18" charset="0"/>
+              </a:rPr>
+              <a:t>per-day</a:t>
+            </a:r>
+          </a:p>
+          <a:p>
+            <a:r>
+              <a:rPr lang="en-US" sz="2000" dirty="0" smtClean="0">
+                <a:latin typeface="Centaur" panose="02030504050205020304" pitchFamily="18" charset="0"/>
+              </a:rPr>
+              <a:t>by 2020*</a:t>
             </a:r>
             <a:br>
               <a:rPr lang="en-US" sz="2000" dirty="0" smtClean="0">
@@ -3269,7 +3298,7 @@
               <a:rPr lang="en-US" sz="2000" dirty="0" smtClean="0">
                 <a:latin typeface="Centaur" panose="02030504050205020304" pitchFamily="18" charset="0"/>
               </a:rPr>
-              <a:t>by 2020*</a:t>
+              <a:t/>
             </a:r>
             <a:br>
               <a:rPr lang="en-US" sz="2000" dirty="0" smtClean="0">
@@ -3302,17 +3331,6 @@
               <a:rPr lang="en-US" sz="2000" dirty="0" smtClean="0">
                 <a:latin typeface="Centaur" panose="02030504050205020304" pitchFamily="18" charset="0"/>
               </a:rPr>
-              <a:t/>
-            </a:r>
-            <a:br>
-              <a:rPr lang="en-US" sz="2000" dirty="0" smtClean="0">
-                <a:latin typeface="Centaur" panose="02030504050205020304" pitchFamily="18" charset="0"/>
-              </a:rPr>
-            </a:br>
-            <a:r>
-              <a:rPr lang="en-US" sz="2000" dirty="0" smtClean="0">
-                <a:latin typeface="Centaur" panose="02030504050205020304" pitchFamily="18" charset="0"/>
-              </a:rPr>
               <a:t> </a:t>
             </a:r>
             <a:endParaRPr lang="en-US" sz="2000" dirty="0">
@@ -3329,7 +3347,7 @@
         </p:nvSpPr>
         <p:spPr>
           <a:xfrm>
-            <a:off x="838200" y="4631323"/>
+            <a:off x="838200" y="4272548"/>
             <a:ext cx="7848600" cy="338554"/>
           </a:xfrm>
           <a:prstGeom prst="rect">
@@ -3350,9 +3368,6 @@
               </a:rPr>
               <a:t>*Projected from data obtained from </a:t>
             </a:r>
-            <a:endParaRPr lang="en-US" sz="800" dirty="0" smtClean="0">
-              <a:latin typeface="Centaur" panose="02030504050205020304" pitchFamily="18" charset="0"/>
-            </a:endParaRPr>
           </a:p>
           <a:p>
             <a:pPr algn="r"/>
@@ -3360,13 +3375,7 @@
               <a:rPr lang="en-US" sz="800" dirty="0" smtClean="0">
                 <a:latin typeface="Centaur" panose="02030504050205020304" pitchFamily="18" charset="0"/>
               </a:rPr>
-              <a:t>United </a:t>
-            </a:r>
-            <a:r>
-              <a:rPr lang="en-US" sz="800" dirty="0" smtClean="0">
-                <a:latin typeface="Centaur" panose="02030504050205020304" pitchFamily="18" charset="0"/>
-              </a:rPr>
-              <a:t>Nations Office on Drugs and Crime</a:t>
+              <a:t>United Nations Office on Drugs and Crime</a:t>
             </a:r>
             <a:endParaRPr lang="en-US" sz="800" dirty="0">
               <a:latin typeface="Centaur" panose="02030504050205020304" pitchFamily="18" charset="0"/>
@@ -3377,13 +3386,20 @@
     </p:spTree>
     <p:extLst>
       <p:ext uri="{BB962C8B-B14F-4D97-AF65-F5344CB8AC3E}">
-        <p14:creationId xmlns:p14="http://schemas.microsoft.com/office/powerpoint/2010/main" val="1977960192"/>
+        <p14:creationId xmlns:p14="http://schemas.microsoft.com/office/powerpoint/2010/main" val="3861407133"/>
       </p:ext>
     </p:extLst>
   </p:cSld>
   <p:clrMapOvr>
     <a:masterClrMapping/>
   </p:clrMapOvr>
+  <p:timing>
+    <p:tnLst>
+      <p:par>
+        <p:cTn id="1" dur="indefinite" restart="never" nodeType="tmRoot"/>
+      </p:par>
+    </p:tnLst>
+  </p:timing>
 </p:sld>
 </file>
 
@@ -3414,8 +3430,8 @@
         </p:nvSpPr>
         <p:spPr>
           <a:xfrm>
-            <a:off x="457200" y="1143000"/>
-            <a:ext cx="8305800" cy="4876800"/>
+            <a:off x="762000" y="1981200"/>
+            <a:ext cx="7924800" cy="2514600"/>
           </a:xfrm>
           <a:prstGeom prst="rect">
             <a:avLst/>
@@ -3442,39 +3458,11 @@
             </a:lvl1pPr>
           </a:lstStyle>
           <a:p>
-            <a:endParaRPr lang="en-US" sz="3600" dirty="0">
-              <a:latin typeface="Centaur" panose="02030504050205020304" pitchFamily="18" charset="0"/>
-            </a:endParaRPr>
-          </a:p>
-        </p:txBody>
-      </p:sp>
-      <p:sp>
-        <p:nvSpPr>
-          <p:cNvPr id="5" name="Title 3"/>
-          <p:cNvSpPr>
-            <a:spLocks noGrp="1"/>
-          </p:cNvSpPr>
-          <p:nvPr>
-            <p:ph type="ctrTitle"/>
-          </p:nvPr>
-        </p:nvSpPr>
-        <p:spPr>
-          <a:xfrm>
-            <a:off x="723900" y="2743200"/>
-            <a:ext cx="7772400" cy="1470025"/>
-          </a:xfrm>
-        </p:spPr>
-        <p:txBody>
-          <a:bodyPr>
-            <a:noAutofit/>
-          </a:bodyPr>
-          <a:lstStyle/>
-          <a:p>
             <a:r>
               <a:rPr lang="en-US" sz="2000" dirty="0" smtClean="0">
                 <a:latin typeface="Centaur" panose="02030504050205020304" pitchFamily="18" charset="0"/>
               </a:rPr>
-              <a:t>A </a:t>
+              <a:t>They will account for less than </a:t>
             </a:r>
             <a:r>
               <a:rPr lang="en-US" sz="2000" dirty="0" smtClean="0">
@@ -3483,35 +3471,13 @@
                 </a:solidFill>
                 <a:latin typeface="Centaur" panose="02030504050205020304" pitchFamily="18" charset="0"/>
               </a:rPr>
-              <a:t>shocking</a:t>
+              <a:t>35% </a:t>
             </a:r>
             <a:r>
               <a:rPr lang="en-US" sz="2000" dirty="0" smtClean="0">
                 <a:latin typeface="Centaur" panose="02030504050205020304" pitchFamily="18" charset="0"/>
               </a:rPr>
-              <a:t> statistic</a:t>
-            </a:r>
-            <a:br>
-              <a:rPr lang="en-US" sz="2000" dirty="0" smtClean="0">
-                <a:latin typeface="Centaur" panose="02030504050205020304" pitchFamily="18" charset="0"/>
-              </a:rPr>
-            </a:br>
-            <a:r>
-              <a:rPr lang="en-US" sz="2000" dirty="0" smtClean="0">
-                <a:latin typeface="Centaur" panose="02030504050205020304" pitchFamily="18" charset="0"/>
-              </a:rPr>
-              <a:t>to ignore on</a:t>
-            </a:r>
-            <a:br>
-              <a:rPr lang="en-US" sz="2000" dirty="0" smtClean="0">
-                <a:latin typeface="Centaur" panose="02030504050205020304" pitchFamily="18" charset="0"/>
-              </a:rPr>
-            </a:br>
-            <a:r>
-              <a:rPr lang="en-US" sz="2000" dirty="0" smtClean="0">
-                <a:latin typeface="Centaur" panose="02030504050205020304" pitchFamily="18" charset="0"/>
-              </a:rPr>
-              <a:t>International Women’s Day 2015</a:t>
+              <a:t>of total offenses.</a:t>
             </a:r>
             <a:endParaRPr lang="en-US" sz="2000" dirty="0">
               <a:latin typeface="Centaur" panose="02030504050205020304" pitchFamily="18" charset="0"/>
@@ -3522,13 +3488,20 @@
     </p:spTree>
     <p:extLst>
       <p:ext uri="{BB962C8B-B14F-4D97-AF65-F5344CB8AC3E}">
-        <p14:creationId xmlns:p14="http://schemas.microsoft.com/office/powerpoint/2010/main" val="547192823"/>
+        <p14:creationId xmlns:p14="http://schemas.microsoft.com/office/powerpoint/2010/main" val="2147957114"/>
       </p:ext>
     </p:extLst>
   </p:cSld>
   <p:clrMapOvr>
     <a:masterClrMapping/>
   </p:clrMapOvr>
+  <p:timing>
+    <p:tnLst>
+      <p:par>
+        <p:cTn id="1" dur="indefinite" restart="never" nodeType="tmRoot"/>
+      </p:par>
+    </p:tnLst>
+  </p:timing>
 </p:sld>
 </file>
 
@@ -3605,8 +3578,8 @@
         </p:nvSpPr>
         <p:spPr>
           <a:xfrm>
-            <a:off x="685800" y="2644775"/>
-            <a:ext cx="7772400" cy="1470025"/>
+            <a:off x="723900" y="2286000"/>
+            <a:ext cx="7886700" cy="2286000"/>
           </a:xfrm>
         </p:spPr>
         <p:txBody>
@@ -3615,6 +3588,76 @@
           </a:bodyPr>
           <a:lstStyle/>
           <a:p>
+            <a:r>
+              <a:rPr lang="en-US" sz="2000" dirty="0" smtClean="0">
+                <a:latin typeface="Centaur" panose="02030504050205020304" pitchFamily="18" charset="0"/>
+              </a:rPr>
+              <a:t>A </a:t>
+            </a:r>
+            <a:r>
+              <a:rPr lang="en-US" sz="2000" dirty="0" smtClean="0">
+                <a:solidFill>
+                  <a:srgbClr val="FF0000"/>
+                </a:solidFill>
+                <a:latin typeface="Centaur" panose="02030504050205020304" pitchFamily="18" charset="0"/>
+              </a:rPr>
+              <a:t>shocking</a:t>
+            </a:r>
+            <a:r>
+              <a:rPr lang="en-US" sz="2000" dirty="0" smtClean="0">
+                <a:latin typeface="Centaur" panose="02030504050205020304" pitchFamily="18" charset="0"/>
+              </a:rPr>
+              <a:t> statistic to ignore on</a:t>
+            </a:r>
+            <a:br>
+              <a:rPr lang="en-US" sz="2000" dirty="0" smtClean="0">
+                <a:latin typeface="Centaur" panose="02030504050205020304" pitchFamily="18" charset="0"/>
+              </a:rPr>
+            </a:br>
+            <a:r>
+              <a:rPr lang="en-US" sz="2000" dirty="0" smtClean="0">
+                <a:latin typeface="Centaur" panose="02030504050205020304" pitchFamily="18" charset="0"/>
+              </a:rPr>
+              <a:t>International Women’s Day 2015.</a:t>
+            </a:r>
+            <a:br>
+              <a:rPr lang="en-US" sz="2000" dirty="0" smtClean="0">
+                <a:latin typeface="Centaur" panose="02030504050205020304" pitchFamily="18" charset="0"/>
+              </a:rPr>
+            </a:br>
+            <a:r>
+              <a:rPr lang="en-US" sz="2000" dirty="0">
+                <a:latin typeface="Centaur" panose="02030504050205020304" pitchFamily="18" charset="0"/>
+              </a:rPr>
+              <a:t/>
+            </a:r>
+            <a:br>
+              <a:rPr lang="en-US" sz="2000" dirty="0">
+                <a:latin typeface="Centaur" panose="02030504050205020304" pitchFamily="18" charset="0"/>
+              </a:rPr>
+            </a:br>
+            <a:r>
+              <a:rPr lang="en-US" sz="2000" dirty="0" smtClean="0">
+                <a:latin typeface="Centaur" panose="02030504050205020304" pitchFamily="18" charset="0"/>
+              </a:rPr>
+              <a:t/>
+            </a:r>
+            <a:br>
+              <a:rPr lang="en-US" sz="2000" dirty="0" smtClean="0">
+                <a:latin typeface="Centaur" panose="02030504050205020304" pitchFamily="18" charset="0"/>
+              </a:rPr>
+            </a:br>
+            <a:r>
+              <a:rPr lang="en-US" sz="2000" dirty="0">
+                <a:latin typeface="Centaur" panose="02030504050205020304" pitchFamily="18" charset="0"/>
+              </a:rPr>
+              <a:t/>
+            </a:r>
+            <a:br>
+              <a:rPr lang="en-US" sz="2000" dirty="0">
+                <a:latin typeface="Centaur" panose="02030504050205020304" pitchFamily="18" charset="0"/>
+              </a:rPr>
+            </a:br>
             <a:r>
               <a:rPr lang="en-US" sz="2000" i="1" dirty="0" smtClean="0">
                 <a:latin typeface="Centaur" panose="02030504050205020304" pitchFamily="18" charset="0"/>
@@ -3630,13 +3673,20 @@
     </p:spTree>
     <p:extLst>
       <p:ext uri="{BB962C8B-B14F-4D97-AF65-F5344CB8AC3E}">
-        <p14:creationId xmlns:p14="http://schemas.microsoft.com/office/powerpoint/2010/main" val="1828291526"/>
+        <p14:creationId xmlns:p14="http://schemas.microsoft.com/office/powerpoint/2010/main" val="547192823"/>
       </p:ext>
     </p:extLst>
   </p:cSld>
   <p:clrMapOvr>
     <a:masterClrMapping/>
   </p:clrMapOvr>
+  <p:timing>
+    <p:tnLst>
+      <p:par>
+        <p:cTn id="1" dur="indefinite" restart="never" nodeType="tmRoot"/>
+      </p:par>
+    </p:tnLst>
+  </p:timing>
 </p:sld>
 </file>
 
